--- a/발표.pptx
+++ b/발표.pptx
@@ -980,7 +980,7 @@
           <a:p>
             <a:fld id="{B9FD0A79-952A-48D1-8E03-7EE7D1974F91}" type="datetimeFigureOut">
               <a:rPr lang="ko-KR" altLang="en-US" smtClean="0"/>
-              <a:t>2019-12-15</a:t>
+              <a:t>2019-12-16</a:t>
             </a:fld>
             <a:endParaRPr lang="ko-KR" altLang="en-US"/>
           </a:p>
@@ -1231,7 +1231,7 @@
           <a:p>
             <a:fld id="{B9FD0A79-952A-48D1-8E03-7EE7D1974F91}" type="datetimeFigureOut">
               <a:rPr lang="ko-KR" altLang="en-US" smtClean="0"/>
-              <a:t>2019-12-15</a:t>
+              <a:t>2019-12-16</a:t>
             </a:fld>
             <a:endParaRPr lang="ko-KR" altLang="en-US"/>
           </a:p>
@@ -1545,7 +1545,7 @@
           <a:p>
             <a:fld id="{B9FD0A79-952A-48D1-8E03-7EE7D1974F91}" type="datetimeFigureOut">
               <a:rPr lang="ko-KR" altLang="en-US" smtClean="0"/>
-              <a:t>2019-12-15</a:t>
+              <a:t>2019-12-16</a:t>
             </a:fld>
             <a:endParaRPr lang="ko-KR" altLang="en-US"/>
           </a:p>
@@ -1886,7 +1886,7 @@
           <a:p>
             <a:fld id="{B9FD0A79-952A-48D1-8E03-7EE7D1974F91}" type="datetimeFigureOut">
               <a:rPr lang="ko-KR" altLang="en-US" smtClean="0"/>
-              <a:t>2019-12-15</a:t>
+              <a:t>2019-12-16</a:t>
             </a:fld>
             <a:endParaRPr lang="ko-KR" altLang="en-US"/>
           </a:p>
@@ -2200,7 +2200,7 @@
           <a:p>
             <a:fld id="{B9FD0A79-952A-48D1-8E03-7EE7D1974F91}" type="datetimeFigureOut">
               <a:rPr lang="ko-KR" altLang="en-US" smtClean="0"/>
-              <a:t>2019-12-15</a:t>
+              <a:t>2019-12-16</a:t>
             </a:fld>
             <a:endParaRPr lang="ko-KR" altLang="en-US"/>
           </a:p>
@@ -2593,7 +2593,7 @@
           <a:p>
             <a:fld id="{B9FD0A79-952A-48D1-8E03-7EE7D1974F91}" type="datetimeFigureOut">
               <a:rPr lang="ko-KR" altLang="en-US" smtClean="0"/>
-              <a:t>2019-12-15</a:t>
+              <a:t>2019-12-16</a:t>
             </a:fld>
             <a:endParaRPr lang="ko-KR" altLang="en-US"/>
           </a:p>
@@ -2763,7 +2763,7 @@
           <a:p>
             <a:fld id="{B9FD0A79-952A-48D1-8E03-7EE7D1974F91}" type="datetimeFigureOut">
               <a:rPr lang="ko-KR" altLang="en-US" smtClean="0"/>
-              <a:t>2019-12-15</a:t>
+              <a:t>2019-12-16</a:t>
             </a:fld>
             <a:endParaRPr lang="ko-KR" altLang="en-US"/>
           </a:p>
@@ -2943,7 +2943,7 @@
           <a:p>
             <a:fld id="{B9FD0A79-952A-48D1-8E03-7EE7D1974F91}" type="datetimeFigureOut">
               <a:rPr lang="ko-KR" altLang="en-US" smtClean="0"/>
-              <a:t>2019-12-15</a:t>
+              <a:t>2019-12-16</a:t>
             </a:fld>
             <a:endParaRPr lang="ko-KR" altLang="en-US"/>
           </a:p>
@@ -3119,7 +3119,7 @@
           <a:p>
             <a:fld id="{B9FD0A79-952A-48D1-8E03-7EE7D1974F91}" type="datetimeFigureOut">
               <a:rPr lang="ko-KR" altLang="en-US" smtClean="0"/>
-              <a:t>2019-12-15</a:t>
+              <a:t>2019-12-16</a:t>
             </a:fld>
             <a:endParaRPr lang="ko-KR" altLang="en-US"/>
           </a:p>
@@ -3366,7 +3366,7 @@
           <a:p>
             <a:fld id="{B9FD0A79-952A-48D1-8E03-7EE7D1974F91}" type="datetimeFigureOut">
               <a:rPr lang="ko-KR" altLang="en-US" smtClean="0"/>
-              <a:t>2019-12-15</a:t>
+              <a:t>2019-12-16</a:t>
             </a:fld>
             <a:endParaRPr lang="ko-KR" altLang="en-US"/>
           </a:p>
@@ -3598,7 +3598,7 @@
           <a:p>
             <a:fld id="{B9FD0A79-952A-48D1-8E03-7EE7D1974F91}" type="datetimeFigureOut">
               <a:rPr lang="ko-KR" altLang="en-US" smtClean="0"/>
-              <a:t>2019-12-15</a:t>
+              <a:t>2019-12-16</a:t>
             </a:fld>
             <a:endParaRPr lang="ko-KR" altLang="en-US"/>
           </a:p>
@@ -3972,7 +3972,7 @@
           <a:p>
             <a:fld id="{B9FD0A79-952A-48D1-8E03-7EE7D1974F91}" type="datetimeFigureOut">
               <a:rPr lang="ko-KR" altLang="en-US" smtClean="0"/>
-              <a:t>2019-12-15</a:t>
+              <a:t>2019-12-16</a:t>
             </a:fld>
             <a:endParaRPr lang="ko-KR" altLang="en-US"/>
           </a:p>
@@ -4095,7 +4095,7 @@
           <a:p>
             <a:fld id="{B9FD0A79-952A-48D1-8E03-7EE7D1974F91}" type="datetimeFigureOut">
               <a:rPr lang="ko-KR" altLang="en-US" smtClean="0"/>
-              <a:t>2019-12-15</a:t>
+              <a:t>2019-12-16</a:t>
             </a:fld>
             <a:endParaRPr lang="ko-KR" altLang="en-US"/>
           </a:p>
@@ -4190,7 +4190,7 @@
           <a:p>
             <a:fld id="{B9FD0A79-952A-48D1-8E03-7EE7D1974F91}" type="datetimeFigureOut">
               <a:rPr lang="ko-KR" altLang="en-US" smtClean="0"/>
-              <a:t>2019-12-15</a:t>
+              <a:t>2019-12-16</a:t>
             </a:fld>
             <a:endParaRPr lang="ko-KR" altLang="en-US"/>
           </a:p>
@@ -4445,7 +4445,7 @@
           <a:p>
             <a:fld id="{B9FD0A79-952A-48D1-8E03-7EE7D1974F91}" type="datetimeFigureOut">
               <a:rPr lang="ko-KR" altLang="en-US" smtClean="0"/>
-              <a:t>2019-12-15</a:t>
+              <a:t>2019-12-16</a:t>
             </a:fld>
             <a:endParaRPr lang="ko-KR" altLang="en-US"/>
           </a:p>
@@ -4708,7 +4708,7 @@
           <a:p>
             <a:fld id="{B9FD0A79-952A-48D1-8E03-7EE7D1974F91}" type="datetimeFigureOut">
               <a:rPr lang="ko-KR" altLang="en-US" smtClean="0"/>
-              <a:t>2019-12-15</a:t>
+              <a:t>2019-12-16</a:t>
             </a:fld>
             <a:endParaRPr lang="ko-KR" altLang="en-US"/>
           </a:p>
@@ -5451,7 +5451,7 @@
           <a:p>
             <a:fld id="{B9FD0A79-952A-48D1-8E03-7EE7D1974F91}" type="datetimeFigureOut">
               <a:rPr lang="ko-KR" altLang="en-US" smtClean="0"/>
-              <a:t>2019-12-15</a:t>
+              <a:t>2019-12-16</a:t>
             </a:fld>
             <a:endParaRPr lang="ko-KR" altLang="en-US"/>
           </a:p>
@@ -6118,28 +6118,972 @@
           </a:p>
         </p:txBody>
       </p:sp>
-      <p:sp>
-        <p:nvSpPr>
-          <p:cNvPr id="3" name="내용 개체 틀 2">
+      <p:pic>
+        <p:nvPicPr>
+          <p:cNvPr id="5" name="내용 개체 틀 4">
             <a:extLst>
               <a:ext uri="{FF2B5EF4-FFF2-40B4-BE49-F238E27FC236}">
-                <a16:creationId xmlns:a16="http://schemas.microsoft.com/office/drawing/2014/main" id="{8B673F17-FDBA-42CD-B547-C594EC943454}"/>
+                <a16:creationId xmlns:a16="http://schemas.microsoft.com/office/drawing/2014/main" id="{59524CAF-808C-41EC-984D-1F3C03D67A17}"/>
               </a:ext>
             </a:extLst>
           </p:cNvPr>
-          <p:cNvSpPr>
-            <a:spLocks noGrp="1"/>
-          </p:cNvSpPr>
+          <p:cNvPicPr>
+            <a:picLocks noGrp="1" noChangeAspect="1"/>
+          </p:cNvPicPr>
           <p:nvPr>
             <p:ph idx="1"/>
           </p:nvPr>
-        </p:nvSpPr>
-        <p:spPr/>
-        <p:txBody>
-          <a:bodyPr/>
-          <a:lstStyle/>
-          <a:p>
-            <a:endParaRPr lang="ko-KR" altLang="en-US"/>
+        </p:nvPicPr>
+        <p:blipFill>
+          <a:blip r:embed="rId2"/>
+          <a:stretch>
+            <a:fillRect/>
+          </a:stretch>
+        </p:blipFill>
+        <p:spPr>
+          <a:xfrm>
+            <a:off x="6216071" y="3429000"/>
+            <a:ext cx="4036985" cy="1884938"/>
+          </a:xfrm>
+          <a:prstGeom prst="rect">
+            <a:avLst/>
+          </a:prstGeom>
+        </p:spPr>
+      </p:pic>
+      <p:pic>
+        <p:nvPicPr>
+          <p:cNvPr id="4" name="그림 3">
+            <a:extLst>
+              <a:ext uri="{FF2B5EF4-FFF2-40B4-BE49-F238E27FC236}">
+                <a16:creationId xmlns:a16="http://schemas.microsoft.com/office/drawing/2014/main" id="{27B69228-A112-46DC-89C6-C2C0B24DF9B1}"/>
+              </a:ext>
+            </a:extLst>
+          </p:cNvPr>
+          <p:cNvPicPr>
+            <a:picLocks noChangeAspect="1"/>
+          </p:cNvPicPr>
+          <p:nvPr/>
+        </p:nvPicPr>
+        <p:blipFill>
+          <a:blip r:embed="rId3"/>
+          <a:stretch>
+            <a:fillRect/>
+          </a:stretch>
+        </p:blipFill>
+        <p:spPr>
+          <a:xfrm>
+            <a:off x="6216072" y="1544062"/>
+            <a:ext cx="4036984" cy="1884938"/>
+          </a:xfrm>
+          <a:prstGeom prst="rect">
+            <a:avLst/>
+          </a:prstGeom>
+        </p:spPr>
+      </p:pic>
+      <p:sp>
+        <p:nvSpPr>
+          <p:cNvPr id="6" name="내용 개체 틀 2">
+            <a:extLst>
+              <a:ext uri="{FF2B5EF4-FFF2-40B4-BE49-F238E27FC236}">
+                <a16:creationId xmlns:a16="http://schemas.microsoft.com/office/drawing/2014/main" id="{FCFE4BF8-B81B-4F1B-BFEA-1AC713480D13}"/>
+              </a:ext>
+            </a:extLst>
+          </p:cNvPr>
+          <p:cNvSpPr txBox="1">
+            <a:spLocks/>
+          </p:cNvSpPr>
+          <p:nvPr/>
+        </p:nvSpPr>
+        <p:spPr>
+          <a:xfrm>
+            <a:off x="672838" y="1583765"/>
+            <a:ext cx="4564178" cy="3588599"/>
+          </a:xfrm>
+          <a:prstGeom prst="rect">
+            <a:avLst/>
+          </a:prstGeom>
+        </p:spPr>
+        <p:txBody>
+          <a:bodyPr vert="horz" lIns="91440" tIns="45720" rIns="91440" bIns="45720" rtlCol="0">
+            <a:normAutofit/>
+          </a:bodyPr>
+          <a:lstStyle>
+            <a:lvl1pPr marL="342900" indent="-342900" algn="l" defTabSz="457200" rtl="0" eaLnBrk="1" latinLnBrk="1" hangingPunct="1">
+              <a:spcBef>
+                <a:spcPts val="1000"/>
+              </a:spcBef>
+              <a:spcAft>
+                <a:spcPts val="0"/>
+              </a:spcAft>
+              <a:buClr>
+                <a:schemeClr val="accent1"/>
+              </a:buClr>
+              <a:buSzPct val="80000"/>
+              <a:buFont typeface="Wingdings 3" charset="2"/>
+              <a:buChar char=""/>
+              <a:defRPr sz="1800" kern="1200">
+                <a:solidFill>
+                  <a:schemeClr val="tx1">
+                    <a:lumMod val="75000"/>
+                    <a:lumOff val="25000"/>
+                  </a:schemeClr>
+                </a:solidFill>
+                <a:latin typeface="+mn-lt"/>
+                <a:ea typeface="+mn-ea"/>
+                <a:cs typeface="+mn-cs"/>
+              </a:defRPr>
+            </a:lvl1pPr>
+            <a:lvl2pPr marL="742950" indent="-285750" algn="l" defTabSz="457200" rtl="0" eaLnBrk="1" latinLnBrk="1" hangingPunct="1">
+              <a:spcBef>
+                <a:spcPts val="1000"/>
+              </a:spcBef>
+              <a:spcAft>
+                <a:spcPts val="0"/>
+              </a:spcAft>
+              <a:buClr>
+                <a:schemeClr val="accent1"/>
+              </a:buClr>
+              <a:buSzPct val="80000"/>
+              <a:buFont typeface="Wingdings 3" charset="2"/>
+              <a:buChar char=""/>
+              <a:defRPr sz="1600" kern="1200">
+                <a:solidFill>
+                  <a:schemeClr val="tx1">
+                    <a:lumMod val="75000"/>
+                    <a:lumOff val="25000"/>
+                  </a:schemeClr>
+                </a:solidFill>
+                <a:latin typeface="+mn-lt"/>
+                <a:ea typeface="+mn-ea"/>
+                <a:cs typeface="+mn-cs"/>
+              </a:defRPr>
+            </a:lvl2pPr>
+            <a:lvl3pPr marL="1143000" indent="-228600" algn="l" defTabSz="457200" rtl="0" eaLnBrk="1" latinLnBrk="1" hangingPunct="1">
+              <a:spcBef>
+                <a:spcPts val="1000"/>
+              </a:spcBef>
+              <a:spcAft>
+                <a:spcPts val="0"/>
+              </a:spcAft>
+              <a:buClr>
+                <a:schemeClr val="accent1"/>
+              </a:buClr>
+              <a:buSzPct val="80000"/>
+              <a:buFont typeface="Wingdings 3" charset="2"/>
+              <a:buChar char=""/>
+              <a:defRPr sz="1400" kern="1200">
+                <a:solidFill>
+                  <a:schemeClr val="tx1">
+                    <a:lumMod val="75000"/>
+                    <a:lumOff val="25000"/>
+                  </a:schemeClr>
+                </a:solidFill>
+                <a:latin typeface="+mn-lt"/>
+                <a:ea typeface="+mn-ea"/>
+                <a:cs typeface="+mn-cs"/>
+              </a:defRPr>
+            </a:lvl3pPr>
+            <a:lvl4pPr marL="1600200" indent="-228600" algn="l" defTabSz="457200" rtl="0" eaLnBrk="1" latinLnBrk="1" hangingPunct="1">
+              <a:spcBef>
+                <a:spcPts val="1000"/>
+              </a:spcBef>
+              <a:spcAft>
+                <a:spcPts val="0"/>
+              </a:spcAft>
+              <a:buClr>
+                <a:schemeClr val="accent1"/>
+              </a:buClr>
+              <a:buSzPct val="80000"/>
+              <a:buFont typeface="Wingdings 3" charset="2"/>
+              <a:buChar char=""/>
+              <a:defRPr sz="1200" kern="1200">
+                <a:solidFill>
+                  <a:schemeClr val="tx1">
+                    <a:lumMod val="75000"/>
+                    <a:lumOff val="25000"/>
+                  </a:schemeClr>
+                </a:solidFill>
+                <a:latin typeface="+mn-lt"/>
+                <a:ea typeface="+mn-ea"/>
+                <a:cs typeface="+mn-cs"/>
+              </a:defRPr>
+            </a:lvl4pPr>
+            <a:lvl5pPr marL="2057400" indent="-228600" algn="l" defTabSz="457200" rtl="0" eaLnBrk="1" latinLnBrk="1" hangingPunct="1">
+              <a:spcBef>
+                <a:spcPts val="1000"/>
+              </a:spcBef>
+              <a:spcAft>
+                <a:spcPts val="0"/>
+              </a:spcAft>
+              <a:buClr>
+                <a:schemeClr val="accent1"/>
+              </a:buClr>
+              <a:buSzPct val="80000"/>
+              <a:buFont typeface="Wingdings 3" charset="2"/>
+              <a:buChar char=""/>
+              <a:defRPr sz="1200" kern="1200">
+                <a:solidFill>
+                  <a:schemeClr val="tx1">
+                    <a:lumMod val="75000"/>
+                    <a:lumOff val="25000"/>
+                  </a:schemeClr>
+                </a:solidFill>
+                <a:latin typeface="+mn-lt"/>
+                <a:ea typeface="+mn-ea"/>
+                <a:cs typeface="+mn-cs"/>
+              </a:defRPr>
+            </a:lvl5pPr>
+            <a:lvl6pPr marL="2514600" indent="-228600" algn="l" defTabSz="457200" rtl="0" eaLnBrk="1" latinLnBrk="1" hangingPunct="1">
+              <a:spcBef>
+                <a:spcPts val="1000"/>
+              </a:spcBef>
+              <a:spcAft>
+                <a:spcPts val="0"/>
+              </a:spcAft>
+              <a:buClr>
+                <a:schemeClr val="accent1"/>
+              </a:buClr>
+              <a:buSzPct val="80000"/>
+              <a:buFont typeface="Wingdings 3" charset="2"/>
+              <a:buChar char=""/>
+              <a:defRPr sz="1200" kern="1200">
+                <a:solidFill>
+                  <a:schemeClr val="tx1">
+                    <a:lumMod val="75000"/>
+                    <a:lumOff val="25000"/>
+                  </a:schemeClr>
+                </a:solidFill>
+                <a:latin typeface="+mn-lt"/>
+                <a:ea typeface="+mn-ea"/>
+                <a:cs typeface="+mn-cs"/>
+              </a:defRPr>
+            </a:lvl6pPr>
+            <a:lvl7pPr marL="2971800" indent="-228600" algn="l" defTabSz="457200" rtl="0" eaLnBrk="1" latinLnBrk="1" hangingPunct="1">
+              <a:spcBef>
+                <a:spcPts val="1000"/>
+              </a:spcBef>
+              <a:spcAft>
+                <a:spcPts val="0"/>
+              </a:spcAft>
+              <a:buClr>
+                <a:schemeClr val="accent1"/>
+              </a:buClr>
+              <a:buSzPct val="80000"/>
+              <a:buFont typeface="Wingdings 3" charset="2"/>
+              <a:buChar char=""/>
+              <a:defRPr sz="1200" kern="1200">
+                <a:solidFill>
+                  <a:schemeClr val="tx1">
+                    <a:lumMod val="75000"/>
+                    <a:lumOff val="25000"/>
+                  </a:schemeClr>
+                </a:solidFill>
+                <a:latin typeface="+mn-lt"/>
+                <a:ea typeface="+mn-ea"/>
+                <a:cs typeface="+mn-cs"/>
+              </a:defRPr>
+            </a:lvl7pPr>
+            <a:lvl8pPr marL="3429000" indent="-228600" algn="l" defTabSz="457200" rtl="0" eaLnBrk="1" latinLnBrk="1" hangingPunct="1">
+              <a:spcBef>
+                <a:spcPts val="1000"/>
+              </a:spcBef>
+              <a:spcAft>
+                <a:spcPts val="0"/>
+              </a:spcAft>
+              <a:buClr>
+                <a:schemeClr val="accent1"/>
+              </a:buClr>
+              <a:buSzPct val="80000"/>
+              <a:buFont typeface="Wingdings 3" charset="2"/>
+              <a:buChar char=""/>
+              <a:defRPr sz="1200" kern="1200">
+                <a:solidFill>
+                  <a:schemeClr val="tx1">
+                    <a:lumMod val="75000"/>
+                    <a:lumOff val="25000"/>
+                  </a:schemeClr>
+                </a:solidFill>
+                <a:latin typeface="+mn-lt"/>
+                <a:ea typeface="+mn-ea"/>
+                <a:cs typeface="+mn-cs"/>
+              </a:defRPr>
+            </a:lvl8pPr>
+            <a:lvl9pPr marL="3886200" indent="-228600" algn="l" defTabSz="457200" rtl="0" eaLnBrk="1" latinLnBrk="1" hangingPunct="1">
+              <a:spcBef>
+                <a:spcPts val="1000"/>
+              </a:spcBef>
+              <a:spcAft>
+                <a:spcPts val="0"/>
+              </a:spcAft>
+              <a:buClr>
+                <a:schemeClr val="accent1"/>
+              </a:buClr>
+              <a:buSzPct val="80000"/>
+              <a:buFont typeface="Wingdings 3" charset="2"/>
+              <a:buChar char=""/>
+              <a:defRPr sz="1200" kern="1200">
+                <a:solidFill>
+                  <a:schemeClr val="tx1">
+                    <a:lumMod val="75000"/>
+                    <a:lumOff val="25000"/>
+                  </a:schemeClr>
+                </a:solidFill>
+                <a:latin typeface="+mn-lt"/>
+                <a:ea typeface="+mn-ea"/>
+                <a:cs typeface="+mn-cs"/>
+              </a:defRPr>
+            </a:lvl9pPr>
+          </a:lstStyle>
+          <a:p>
+            <a:endParaRPr lang="en-US" altLang="ko-KR" dirty="0">
+              <a:latin typeface="Malgun Gothic Semilight" panose="020B0503020000020004" pitchFamily="34" charset="-127"/>
+              <a:ea typeface="Malgun Gothic Semilight" panose="020B0503020000020004" pitchFamily="34" charset="-127"/>
+              <a:cs typeface="Malgun Gothic Semilight" panose="020B0503020000020004" pitchFamily="34" charset="-127"/>
+            </a:endParaRPr>
+          </a:p>
+        </p:txBody>
+      </p:sp>
+      <p:sp>
+        <p:nvSpPr>
+          <p:cNvPr id="7" name="내용 개체 틀 2">
+            <a:extLst>
+              <a:ext uri="{FF2B5EF4-FFF2-40B4-BE49-F238E27FC236}">
+                <a16:creationId xmlns:a16="http://schemas.microsoft.com/office/drawing/2014/main" id="{776E81F2-3B37-4D68-BA3C-F9624D419AB7}"/>
+              </a:ext>
+            </a:extLst>
+          </p:cNvPr>
+          <p:cNvSpPr txBox="1">
+            <a:spLocks/>
+          </p:cNvSpPr>
+          <p:nvPr/>
+        </p:nvSpPr>
+        <p:spPr>
+          <a:xfrm>
+            <a:off x="672838" y="1583765"/>
+            <a:ext cx="4370217" cy="3588599"/>
+          </a:xfrm>
+          <a:prstGeom prst="rect">
+            <a:avLst/>
+          </a:prstGeom>
+        </p:spPr>
+        <p:txBody>
+          <a:bodyPr vert="horz" lIns="91440" tIns="45720" rIns="91440" bIns="45720" rtlCol="0">
+            <a:normAutofit/>
+          </a:bodyPr>
+          <a:lstStyle>
+            <a:lvl1pPr marL="342900" indent="-342900" algn="l" defTabSz="457200" rtl="0" eaLnBrk="1" latinLnBrk="1" hangingPunct="1">
+              <a:spcBef>
+                <a:spcPts val="1000"/>
+              </a:spcBef>
+              <a:spcAft>
+                <a:spcPts val="0"/>
+              </a:spcAft>
+              <a:buClr>
+                <a:schemeClr val="accent1"/>
+              </a:buClr>
+              <a:buSzPct val="80000"/>
+              <a:buFont typeface="Wingdings 3" charset="2"/>
+              <a:buChar char=""/>
+              <a:defRPr sz="1800" kern="1200">
+                <a:solidFill>
+                  <a:schemeClr val="tx1">
+                    <a:lumMod val="75000"/>
+                    <a:lumOff val="25000"/>
+                  </a:schemeClr>
+                </a:solidFill>
+                <a:latin typeface="+mn-lt"/>
+                <a:ea typeface="+mn-ea"/>
+                <a:cs typeface="+mn-cs"/>
+              </a:defRPr>
+            </a:lvl1pPr>
+            <a:lvl2pPr marL="742950" indent="-285750" algn="l" defTabSz="457200" rtl="0" eaLnBrk="1" latinLnBrk="1" hangingPunct="1">
+              <a:spcBef>
+                <a:spcPts val="1000"/>
+              </a:spcBef>
+              <a:spcAft>
+                <a:spcPts val="0"/>
+              </a:spcAft>
+              <a:buClr>
+                <a:schemeClr val="accent1"/>
+              </a:buClr>
+              <a:buSzPct val="80000"/>
+              <a:buFont typeface="Wingdings 3" charset="2"/>
+              <a:buChar char=""/>
+              <a:defRPr sz="1600" kern="1200">
+                <a:solidFill>
+                  <a:schemeClr val="tx1">
+                    <a:lumMod val="75000"/>
+                    <a:lumOff val="25000"/>
+                  </a:schemeClr>
+                </a:solidFill>
+                <a:latin typeface="+mn-lt"/>
+                <a:ea typeface="+mn-ea"/>
+                <a:cs typeface="+mn-cs"/>
+              </a:defRPr>
+            </a:lvl2pPr>
+            <a:lvl3pPr marL="1143000" indent="-228600" algn="l" defTabSz="457200" rtl="0" eaLnBrk="1" latinLnBrk="1" hangingPunct="1">
+              <a:spcBef>
+                <a:spcPts val="1000"/>
+              </a:spcBef>
+              <a:spcAft>
+                <a:spcPts val="0"/>
+              </a:spcAft>
+              <a:buClr>
+                <a:schemeClr val="accent1"/>
+              </a:buClr>
+              <a:buSzPct val="80000"/>
+              <a:buFont typeface="Wingdings 3" charset="2"/>
+              <a:buChar char=""/>
+              <a:defRPr sz="1400" kern="1200">
+                <a:solidFill>
+                  <a:schemeClr val="tx1">
+                    <a:lumMod val="75000"/>
+                    <a:lumOff val="25000"/>
+                  </a:schemeClr>
+                </a:solidFill>
+                <a:latin typeface="+mn-lt"/>
+                <a:ea typeface="+mn-ea"/>
+                <a:cs typeface="+mn-cs"/>
+              </a:defRPr>
+            </a:lvl3pPr>
+            <a:lvl4pPr marL="1600200" indent="-228600" algn="l" defTabSz="457200" rtl="0" eaLnBrk="1" latinLnBrk="1" hangingPunct="1">
+              <a:spcBef>
+                <a:spcPts val="1000"/>
+              </a:spcBef>
+              <a:spcAft>
+                <a:spcPts val="0"/>
+              </a:spcAft>
+              <a:buClr>
+                <a:schemeClr val="accent1"/>
+              </a:buClr>
+              <a:buSzPct val="80000"/>
+              <a:buFont typeface="Wingdings 3" charset="2"/>
+              <a:buChar char=""/>
+              <a:defRPr sz="1200" kern="1200">
+                <a:solidFill>
+                  <a:schemeClr val="tx1">
+                    <a:lumMod val="75000"/>
+                    <a:lumOff val="25000"/>
+                  </a:schemeClr>
+                </a:solidFill>
+                <a:latin typeface="+mn-lt"/>
+                <a:ea typeface="+mn-ea"/>
+                <a:cs typeface="+mn-cs"/>
+              </a:defRPr>
+            </a:lvl4pPr>
+            <a:lvl5pPr marL="2057400" indent="-228600" algn="l" defTabSz="457200" rtl="0" eaLnBrk="1" latinLnBrk="1" hangingPunct="1">
+              <a:spcBef>
+                <a:spcPts val="1000"/>
+              </a:spcBef>
+              <a:spcAft>
+                <a:spcPts val="0"/>
+              </a:spcAft>
+              <a:buClr>
+                <a:schemeClr val="accent1"/>
+              </a:buClr>
+              <a:buSzPct val="80000"/>
+              <a:buFont typeface="Wingdings 3" charset="2"/>
+              <a:buChar char=""/>
+              <a:defRPr sz="1200" kern="1200">
+                <a:solidFill>
+                  <a:schemeClr val="tx1">
+                    <a:lumMod val="75000"/>
+                    <a:lumOff val="25000"/>
+                  </a:schemeClr>
+                </a:solidFill>
+                <a:latin typeface="+mn-lt"/>
+                <a:ea typeface="+mn-ea"/>
+                <a:cs typeface="+mn-cs"/>
+              </a:defRPr>
+            </a:lvl5pPr>
+            <a:lvl6pPr marL="2514600" indent="-228600" algn="l" defTabSz="457200" rtl="0" eaLnBrk="1" latinLnBrk="1" hangingPunct="1">
+              <a:spcBef>
+                <a:spcPts val="1000"/>
+              </a:spcBef>
+              <a:spcAft>
+                <a:spcPts val="0"/>
+              </a:spcAft>
+              <a:buClr>
+                <a:schemeClr val="accent1"/>
+              </a:buClr>
+              <a:buSzPct val="80000"/>
+              <a:buFont typeface="Wingdings 3" charset="2"/>
+              <a:buChar char=""/>
+              <a:defRPr sz="1200" kern="1200">
+                <a:solidFill>
+                  <a:schemeClr val="tx1">
+                    <a:lumMod val="75000"/>
+                    <a:lumOff val="25000"/>
+                  </a:schemeClr>
+                </a:solidFill>
+                <a:latin typeface="+mn-lt"/>
+                <a:ea typeface="+mn-ea"/>
+                <a:cs typeface="+mn-cs"/>
+              </a:defRPr>
+            </a:lvl6pPr>
+            <a:lvl7pPr marL="2971800" indent="-228600" algn="l" defTabSz="457200" rtl="0" eaLnBrk="1" latinLnBrk="1" hangingPunct="1">
+              <a:spcBef>
+                <a:spcPts val="1000"/>
+              </a:spcBef>
+              <a:spcAft>
+                <a:spcPts val="0"/>
+              </a:spcAft>
+              <a:buClr>
+                <a:schemeClr val="accent1"/>
+              </a:buClr>
+              <a:buSzPct val="80000"/>
+              <a:buFont typeface="Wingdings 3" charset="2"/>
+              <a:buChar char=""/>
+              <a:defRPr sz="1200" kern="1200">
+                <a:solidFill>
+                  <a:schemeClr val="tx1">
+                    <a:lumMod val="75000"/>
+                    <a:lumOff val="25000"/>
+                  </a:schemeClr>
+                </a:solidFill>
+                <a:latin typeface="+mn-lt"/>
+                <a:ea typeface="+mn-ea"/>
+                <a:cs typeface="+mn-cs"/>
+              </a:defRPr>
+            </a:lvl7pPr>
+            <a:lvl8pPr marL="3429000" indent="-228600" algn="l" defTabSz="457200" rtl="0" eaLnBrk="1" latinLnBrk="1" hangingPunct="1">
+              <a:spcBef>
+                <a:spcPts val="1000"/>
+              </a:spcBef>
+              <a:spcAft>
+                <a:spcPts val="0"/>
+              </a:spcAft>
+              <a:buClr>
+                <a:schemeClr val="accent1"/>
+              </a:buClr>
+              <a:buSzPct val="80000"/>
+              <a:buFont typeface="Wingdings 3" charset="2"/>
+              <a:buChar char=""/>
+              <a:defRPr sz="1200" kern="1200">
+                <a:solidFill>
+                  <a:schemeClr val="tx1">
+                    <a:lumMod val="75000"/>
+                    <a:lumOff val="25000"/>
+                  </a:schemeClr>
+                </a:solidFill>
+                <a:latin typeface="+mn-lt"/>
+                <a:ea typeface="+mn-ea"/>
+                <a:cs typeface="+mn-cs"/>
+              </a:defRPr>
+            </a:lvl8pPr>
+            <a:lvl9pPr marL="3886200" indent="-228600" algn="l" defTabSz="457200" rtl="0" eaLnBrk="1" latinLnBrk="1" hangingPunct="1">
+              <a:spcBef>
+                <a:spcPts val="1000"/>
+              </a:spcBef>
+              <a:spcAft>
+                <a:spcPts val="0"/>
+              </a:spcAft>
+              <a:buClr>
+                <a:schemeClr val="accent1"/>
+              </a:buClr>
+              <a:buSzPct val="80000"/>
+              <a:buFont typeface="Wingdings 3" charset="2"/>
+              <a:buChar char=""/>
+              <a:defRPr sz="1200" kern="1200">
+                <a:solidFill>
+                  <a:schemeClr val="tx1">
+                    <a:lumMod val="75000"/>
+                    <a:lumOff val="25000"/>
+                  </a:schemeClr>
+                </a:solidFill>
+                <a:latin typeface="+mn-lt"/>
+                <a:ea typeface="+mn-ea"/>
+                <a:cs typeface="+mn-cs"/>
+              </a:defRPr>
+            </a:lvl9pPr>
+          </a:lstStyle>
+          <a:p>
+            <a:endParaRPr lang="en-US" altLang="ko-KR" dirty="0">
+              <a:latin typeface="Malgun Gothic Semilight" panose="020B0503020000020004" pitchFamily="34" charset="-127"/>
+              <a:ea typeface="Malgun Gothic Semilight" panose="020B0503020000020004" pitchFamily="34" charset="-127"/>
+              <a:cs typeface="Malgun Gothic Semilight" panose="020B0503020000020004" pitchFamily="34" charset="-127"/>
+            </a:endParaRPr>
+          </a:p>
+        </p:txBody>
+      </p:sp>
+      <p:sp>
+        <p:nvSpPr>
+          <p:cNvPr id="8" name="내용 개체 틀 2">
+            <a:extLst>
+              <a:ext uri="{FF2B5EF4-FFF2-40B4-BE49-F238E27FC236}">
+                <a16:creationId xmlns:a16="http://schemas.microsoft.com/office/drawing/2014/main" id="{97425B36-1C7A-4271-B033-38B6FB750B5D}"/>
+              </a:ext>
+            </a:extLst>
+          </p:cNvPr>
+          <p:cNvSpPr txBox="1">
+            <a:spLocks/>
+          </p:cNvSpPr>
+          <p:nvPr/>
+        </p:nvSpPr>
+        <p:spPr>
+          <a:xfrm>
+            <a:off x="672838" y="1583766"/>
+            <a:ext cx="5423162" cy="3413108"/>
+          </a:xfrm>
+          <a:prstGeom prst="rect">
+            <a:avLst/>
+          </a:prstGeom>
+        </p:spPr>
+        <p:txBody>
+          <a:bodyPr vert="horz" lIns="91440" tIns="45720" rIns="91440" bIns="45720" rtlCol="0">
+            <a:normAutofit/>
+          </a:bodyPr>
+          <a:lstStyle>
+            <a:lvl1pPr marL="342900" indent="-342900" algn="l" defTabSz="457200" rtl="0" eaLnBrk="1" latinLnBrk="1" hangingPunct="1">
+              <a:spcBef>
+                <a:spcPts val="1000"/>
+              </a:spcBef>
+              <a:spcAft>
+                <a:spcPts val="0"/>
+              </a:spcAft>
+              <a:buClr>
+                <a:schemeClr val="accent1"/>
+              </a:buClr>
+              <a:buSzPct val="80000"/>
+              <a:buFont typeface="Wingdings 3" charset="2"/>
+              <a:buChar char=""/>
+              <a:defRPr sz="1800" kern="1200">
+                <a:solidFill>
+                  <a:schemeClr val="tx1">
+                    <a:lumMod val="75000"/>
+                    <a:lumOff val="25000"/>
+                  </a:schemeClr>
+                </a:solidFill>
+                <a:latin typeface="+mn-lt"/>
+                <a:ea typeface="+mn-ea"/>
+                <a:cs typeface="+mn-cs"/>
+              </a:defRPr>
+            </a:lvl1pPr>
+            <a:lvl2pPr marL="742950" indent="-285750" algn="l" defTabSz="457200" rtl="0" eaLnBrk="1" latinLnBrk="1" hangingPunct="1">
+              <a:spcBef>
+                <a:spcPts val="1000"/>
+              </a:spcBef>
+              <a:spcAft>
+                <a:spcPts val="0"/>
+              </a:spcAft>
+              <a:buClr>
+                <a:schemeClr val="accent1"/>
+              </a:buClr>
+              <a:buSzPct val="80000"/>
+              <a:buFont typeface="Wingdings 3" charset="2"/>
+              <a:buChar char=""/>
+              <a:defRPr sz="1600" kern="1200">
+                <a:solidFill>
+                  <a:schemeClr val="tx1">
+                    <a:lumMod val="75000"/>
+                    <a:lumOff val="25000"/>
+                  </a:schemeClr>
+                </a:solidFill>
+                <a:latin typeface="+mn-lt"/>
+                <a:ea typeface="+mn-ea"/>
+                <a:cs typeface="+mn-cs"/>
+              </a:defRPr>
+            </a:lvl2pPr>
+            <a:lvl3pPr marL="1143000" indent="-228600" algn="l" defTabSz="457200" rtl="0" eaLnBrk="1" latinLnBrk="1" hangingPunct="1">
+              <a:spcBef>
+                <a:spcPts val="1000"/>
+              </a:spcBef>
+              <a:spcAft>
+                <a:spcPts val="0"/>
+              </a:spcAft>
+              <a:buClr>
+                <a:schemeClr val="accent1"/>
+              </a:buClr>
+              <a:buSzPct val="80000"/>
+              <a:buFont typeface="Wingdings 3" charset="2"/>
+              <a:buChar char=""/>
+              <a:defRPr sz="1400" kern="1200">
+                <a:solidFill>
+                  <a:schemeClr val="tx1">
+                    <a:lumMod val="75000"/>
+                    <a:lumOff val="25000"/>
+                  </a:schemeClr>
+                </a:solidFill>
+                <a:latin typeface="+mn-lt"/>
+                <a:ea typeface="+mn-ea"/>
+                <a:cs typeface="+mn-cs"/>
+              </a:defRPr>
+            </a:lvl3pPr>
+            <a:lvl4pPr marL="1600200" indent="-228600" algn="l" defTabSz="457200" rtl="0" eaLnBrk="1" latinLnBrk="1" hangingPunct="1">
+              <a:spcBef>
+                <a:spcPts val="1000"/>
+              </a:spcBef>
+              <a:spcAft>
+                <a:spcPts val="0"/>
+              </a:spcAft>
+              <a:buClr>
+                <a:schemeClr val="accent1"/>
+              </a:buClr>
+              <a:buSzPct val="80000"/>
+              <a:buFont typeface="Wingdings 3" charset="2"/>
+              <a:buChar char=""/>
+              <a:defRPr sz="1200" kern="1200">
+                <a:solidFill>
+                  <a:schemeClr val="tx1">
+                    <a:lumMod val="75000"/>
+                    <a:lumOff val="25000"/>
+                  </a:schemeClr>
+                </a:solidFill>
+                <a:latin typeface="+mn-lt"/>
+                <a:ea typeface="+mn-ea"/>
+                <a:cs typeface="+mn-cs"/>
+              </a:defRPr>
+            </a:lvl4pPr>
+            <a:lvl5pPr marL="2057400" indent="-228600" algn="l" defTabSz="457200" rtl="0" eaLnBrk="1" latinLnBrk="1" hangingPunct="1">
+              <a:spcBef>
+                <a:spcPts val="1000"/>
+              </a:spcBef>
+              <a:spcAft>
+                <a:spcPts val="0"/>
+              </a:spcAft>
+              <a:buClr>
+                <a:schemeClr val="accent1"/>
+              </a:buClr>
+              <a:buSzPct val="80000"/>
+              <a:buFont typeface="Wingdings 3" charset="2"/>
+              <a:buChar char=""/>
+              <a:defRPr sz="1200" kern="1200">
+                <a:solidFill>
+                  <a:schemeClr val="tx1">
+                    <a:lumMod val="75000"/>
+                    <a:lumOff val="25000"/>
+                  </a:schemeClr>
+                </a:solidFill>
+                <a:latin typeface="+mn-lt"/>
+                <a:ea typeface="+mn-ea"/>
+                <a:cs typeface="+mn-cs"/>
+              </a:defRPr>
+            </a:lvl5pPr>
+            <a:lvl6pPr marL="2514600" indent="-228600" algn="l" defTabSz="457200" rtl="0" eaLnBrk="1" latinLnBrk="1" hangingPunct="1">
+              <a:spcBef>
+                <a:spcPts val="1000"/>
+              </a:spcBef>
+              <a:spcAft>
+                <a:spcPts val="0"/>
+              </a:spcAft>
+              <a:buClr>
+                <a:schemeClr val="accent1"/>
+              </a:buClr>
+              <a:buSzPct val="80000"/>
+              <a:buFont typeface="Wingdings 3" charset="2"/>
+              <a:buChar char=""/>
+              <a:defRPr sz="1200" kern="1200">
+                <a:solidFill>
+                  <a:schemeClr val="tx1">
+                    <a:lumMod val="75000"/>
+                    <a:lumOff val="25000"/>
+                  </a:schemeClr>
+                </a:solidFill>
+                <a:latin typeface="+mn-lt"/>
+                <a:ea typeface="+mn-ea"/>
+                <a:cs typeface="+mn-cs"/>
+              </a:defRPr>
+            </a:lvl6pPr>
+            <a:lvl7pPr marL="2971800" indent="-228600" algn="l" defTabSz="457200" rtl="0" eaLnBrk="1" latinLnBrk="1" hangingPunct="1">
+              <a:spcBef>
+                <a:spcPts val="1000"/>
+              </a:spcBef>
+              <a:spcAft>
+                <a:spcPts val="0"/>
+              </a:spcAft>
+              <a:buClr>
+                <a:schemeClr val="accent1"/>
+              </a:buClr>
+              <a:buSzPct val="80000"/>
+              <a:buFont typeface="Wingdings 3" charset="2"/>
+              <a:buChar char=""/>
+              <a:defRPr sz="1200" kern="1200">
+                <a:solidFill>
+                  <a:schemeClr val="tx1">
+                    <a:lumMod val="75000"/>
+                    <a:lumOff val="25000"/>
+                  </a:schemeClr>
+                </a:solidFill>
+                <a:latin typeface="+mn-lt"/>
+                <a:ea typeface="+mn-ea"/>
+                <a:cs typeface="+mn-cs"/>
+              </a:defRPr>
+            </a:lvl7pPr>
+            <a:lvl8pPr marL="3429000" indent="-228600" algn="l" defTabSz="457200" rtl="0" eaLnBrk="1" latinLnBrk="1" hangingPunct="1">
+              <a:spcBef>
+                <a:spcPts val="1000"/>
+              </a:spcBef>
+              <a:spcAft>
+                <a:spcPts val="0"/>
+              </a:spcAft>
+              <a:buClr>
+                <a:schemeClr val="accent1"/>
+              </a:buClr>
+              <a:buSzPct val="80000"/>
+              <a:buFont typeface="Wingdings 3" charset="2"/>
+              <a:buChar char=""/>
+              <a:defRPr sz="1200" kern="1200">
+                <a:solidFill>
+                  <a:schemeClr val="tx1">
+                    <a:lumMod val="75000"/>
+                    <a:lumOff val="25000"/>
+                  </a:schemeClr>
+                </a:solidFill>
+                <a:latin typeface="+mn-lt"/>
+                <a:ea typeface="+mn-ea"/>
+                <a:cs typeface="+mn-cs"/>
+              </a:defRPr>
+            </a:lvl8pPr>
+            <a:lvl9pPr marL="3886200" indent="-228600" algn="l" defTabSz="457200" rtl="0" eaLnBrk="1" latinLnBrk="1" hangingPunct="1">
+              <a:spcBef>
+                <a:spcPts val="1000"/>
+              </a:spcBef>
+              <a:spcAft>
+                <a:spcPts val="0"/>
+              </a:spcAft>
+              <a:buClr>
+                <a:schemeClr val="accent1"/>
+              </a:buClr>
+              <a:buSzPct val="80000"/>
+              <a:buFont typeface="Wingdings 3" charset="2"/>
+              <a:buChar char=""/>
+              <a:defRPr sz="1200" kern="1200">
+                <a:solidFill>
+                  <a:schemeClr val="tx1">
+                    <a:lumMod val="75000"/>
+                    <a:lumOff val="25000"/>
+                  </a:schemeClr>
+                </a:solidFill>
+                <a:latin typeface="+mn-lt"/>
+                <a:ea typeface="+mn-ea"/>
+                <a:cs typeface="+mn-cs"/>
+              </a:defRPr>
+            </a:lvl9pPr>
+          </a:lstStyle>
+          <a:p>
+            <a:r>
+              <a:rPr lang="ko-KR" altLang="en-US" dirty="0">
+                <a:latin typeface="Malgun Gothic Semilight" panose="020B0503020000020004" pitchFamily="34" charset="-127"/>
+                <a:ea typeface="Malgun Gothic Semilight" panose="020B0503020000020004" pitchFamily="34" charset="-127"/>
+                <a:cs typeface="Malgun Gothic Semilight" panose="020B0503020000020004" pitchFamily="34" charset="-127"/>
+              </a:rPr>
+              <a:t>마우스 </a:t>
+            </a:r>
+            <a:r>
+              <a:rPr lang="ko-KR" altLang="en-US" dirty="0" err="1">
+                <a:latin typeface="Malgun Gothic Semilight" panose="020B0503020000020004" pitchFamily="34" charset="-127"/>
+                <a:ea typeface="Malgun Gothic Semilight" panose="020B0503020000020004" pitchFamily="34" charset="-127"/>
+                <a:cs typeface="Malgun Gothic Semilight" panose="020B0503020000020004" pitchFamily="34" charset="-127"/>
+              </a:rPr>
+              <a:t>우클릭시</a:t>
+            </a:r>
+            <a:r>
+              <a:rPr lang="ko-KR" altLang="en-US" dirty="0">
+                <a:latin typeface="Malgun Gothic Semilight" panose="020B0503020000020004" pitchFamily="34" charset="-127"/>
+                <a:ea typeface="Malgun Gothic Semilight" panose="020B0503020000020004" pitchFamily="34" charset="-127"/>
+                <a:cs typeface="Malgun Gothic Semilight" panose="020B0503020000020004" pitchFamily="34" charset="-127"/>
+              </a:rPr>
+              <a:t> 줌 인</a:t>
+            </a:r>
+            <a:r>
+              <a:rPr lang="en-US" altLang="ko-KR" dirty="0">
+                <a:latin typeface="Malgun Gothic Semilight" panose="020B0503020000020004" pitchFamily="34" charset="-127"/>
+                <a:ea typeface="Malgun Gothic Semilight" panose="020B0503020000020004" pitchFamily="34" charset="-127"/>
+                <a:cs typeface="Malgun Gothic Semilight" panose="020B0503020000020004" pitchFamily="34" charset="-127"/>
+              </a:rPr>
+              <a:t>/</a:t>
+            </a:r>
+            <a:r>
+              <a:rPr lang="ko-KR" altLang="en-US" dirty="0">
+                <a:latin typeface="Malgun Gothic Semilight" panose="020B0503020000020004" pitchFamily="34" charset="-127"/>
+                <a:ea typeface="Malgun Gothic Semilight" panose="020B0503020000020004" pitchFamily="34" charset="-127"/>
+                <a:cs typeface="Malgun Gothic Semilight" panose="020B0503020000020004" pitchFamily="34" charset="-127"/>
+              </a:rPr>
+              <a:t>아웃이 </a:t>
+            </a:r>
+            <a:r>
+              <a:rPr lang="ko-KR" altLang="en-US" dirty="0" err="1">
+                <a:latin typeface="Malgun Gothic Semilight" panose="020B0503020000020004" pitchFamily="34" charset="-127"/>
+                <a:ea typeface="Malgun Gothic Semilight" panose="020B0503020000020004" pitchFamily="34" charset="-127"/>
+                <a:cs typeface="Malgun Gothic Semilight" panose="020B0503020000020004" pitchFamily="34" charset="-127"/>
+              </a:rPr>
+              <a:t>되게함</a:t>
+            </a:r>
+            <a:endParaRPr lang="en-US" altLang="ko-KR" dirty="0">
+              <a:latin typeface="Malgun Gothic Semilight" panose="020B0503020000020004" pitchFamily="34" charset="-127"/>
+              <a:ea typeface="Malgun Gothic Semilight" panose="020B0503020000020004" pitchFamily="34" charset="-127"/>
+              <a:cs typeface="Malgun Gothic Semilight" panose="020B0503020000020004" pitchFamily="34" charset="-127"/>
+            </a:endParaRPr>
+          </a:p>
+          <a:p>
+            <a:endParaRPr lang="en-US" altLang="ko-KR" dirty="0">
+              <a:latin typeface="Malgun Gothic Semilight" panose="020B0503020000020004" pitchFamily="34" charset="-127"/>
+              <a:ea typeface="Malgun Gothic Semilight" panose="020B0503020000020004" pitchFamily="34" charset="-127"/>
+              <a:cs typeface="Malgun Gothic Semilight" panose="020B0503020000020004" pitchFamily="34" charset="-127"/>
+            </a:endParaRPr>
+          </a:p>
+          <a:p>
+            <a:r>
+              <a:rPr lang="ko-KR" altLang="en-US" dirty="0">
+                <a:latin typeface="Malgun Gothic Semilight" panose="020B0503020000020004" pitchFamily="34" charset="-127"/>
+                <a:ea typeface="Malgun Gothic Semilight" panose="020B0503020000020004" pitchFamily="34" charset="-127"/>
+                <a:cs typeface="Malgun Gothic Semilight" panose="020B0503020000020004" pitchFamily="34" charset="-127"/>
+              </a:rPr>
+              <a:t>줌 인</a:t>
+            </a:r>
+            <a:r>
+              <a:rPr lang="en-US" altLang="ko-KR" dirty="0">
+                <a:latin typeface="Malgun Gothic Semilight" panose="020B0503020000020004" pitchFamily="34" charset="-127"/>
+                <a:ea typeface="Malgun Gothic Semilight" panose="020B0503020000020004" pitchFamily="34" charset="-127"/>
+                <a:cs typeface="Malgun Gothic Semilight" panose="020B0503020000020004" pitchFamily="34" charset="-127"/>
+              </a:rPr>
+              <a:t>/</a:t>
+            </a:r>
+            <a:r>
+              <a:rPr lang="ko-KR" altLang="en-US" dirty="0">
+                <a:latin typeface="Malgun Gothic Semilight" panose="020B0503020000020004" pitchFamily="34" charset="-127"/>
+                <a:ea typeface="Malgun Gothic Semilight" panose="020B0503020000020004" pitchFamily="34" charset="-127"/>
+                <a:cs typeface="Malgun Gothic Semilight" panose="020B0503020000020004" pitchFamily="34" charset="-127"/>
+              </a:rPr>
+              <a:t>아웃이 필요한 오브젝트에게 원근투영시 </a:t>
+            </a:r>
+            <a:r>
+              <a:rPr lang="en-US" altLang="ko-KR" dirty="0" err="1">
+                <a:latin typeface="Malgun Gothic Semilight" panose="020B0503020000020004" pitchFamily="34" charset="-127"/>
+                <a:ea typeface="Malgun Gothic Semilight" panose="020B0503020000020004" pitchFamily="34" charset="-127"/>
+                <a:cs typeface="Malgun Gothic Semilight" panose="020B0503020000020004" pitchFamily="34" charset="-127"/>
+              </a:rPr>
+              <a:t>fov</a:t>
+            </a:r>
+            <a:r>
+              <a:rPr lang="ko-KR" altLang="en-US" dirty="0">
+                <a:latin typeface="Malgun Gothic Semilight" panose="020B0503020000020004" pitchFamily="34" charset="-127"/>
+                <a:ea typeface="Malgun Gothic Semilight" panose="020B0503020000020004" pitchFamily="34" charset="-127"/>
+                <a:cs typeface="Malgun Gothic Semilight" panose="020B0503020000020004" pitchFamily="34" charset="-127"/>
+              </a:rPr>
+              <a:t>값의 변화를 줘서 일부만 줌 인</a:t>
+            </a:r>
+            <a:r>
+              <a:rPr lang="en-US" altLang="ko-KR" dirty="0">
+                <a:latin typeface="Malgun Gothic Semilight" panose="020B0503020000020004" pitchFamily="34" charset="-127"/>
+                <a:ea typeface="Malgun Gothic Semilight" panose="020B0503020000020004" pitchFamily="34" charset="-127"/>
+                <a:cs typeface="Malgun Gothic Semilight" panose="020B0503020000020004" pitchFamily="34" charset="-127"/>
+              </a:rPr>
+              <a:t>/</a:t>
+            </a:r>
+            <a:r>
+              <a:rPr lang="ko-KR" altLang="en-US" dirty="0">
+                <a:latin typeface="Malgun Gothic Semilight" panose="020B0503020000020004" pitchFamily="34" charset="-127"/>
+                <a:ea typeface="Malgun Gothic Semilight" panose="020B0503020000020004" pitchFamily="34" charset="-127"/>
+                <a:cs typeface="Malgun Gothic Semilight" panose="020B0503020000020004" pitchFamily="34" charset="-127"/>
+              </a:rPr>
+              <a:t>아웃이 됨</a:t>
+            </a:r>
+            <a:endParaRPr lang="en-US" altLang="ko-KR" dirty="0">
+              <a:latin typeface="Malgun Gothic Semilight" panose="020B0503020000020004" pitchFamily="34" charset="-127"/>
+              <a:ea typeface="Malgun Gothic Semilight" panose="020B0503020000020004" pitchFamily="34" charset="-127"/>
+              <a:cs typeface="Malgun Gothic Semilight" panose="020B0503020000020004" pitchFamily="34" charset="-127"/>
+            </a:endParaRPr>
           </a:p>
         </p:txBody>
       </p:sp>
@@ -6201,28 +7145,413 @@
           </a:p>
         </p:txBody>
       </p:sp>
-      <p:sp>
-        <p:nvSpPr>
-          <p:cNvPr id="3" name="내용 개체 틀 2">
+      <p:pic>
+        <p:nvPicPr>
+          <p:cNvPr id="7" name="그림 6">
             <a:extLst>
               <a:ext uri="{FF2B5EF4-FFF2-40B4-BE49-F238E27FC236}">
-                <a16:creationId xmlns:a16="http://schemas.microsoft.com/office/drawing/2014/main" id="{37EB03F8-0399-46AA-89CB-35E156571ED1}"/>
+                <a16:creationId xmlns:a16="http://schemas.microsoft.com/office/drawing/2014/main" id="{9831EC69-C6C5-4189-85C4-7045779DA317}"/>
               </a:ext>
             </a:extLst>
           </p:cNvPr>
-          <p:cNvSpPr>
-            <a:spLocks noGrp="1"/>
-          </p:cNvSpPr>
-          <p:nvPr>
-            <p:ph idx="1"/>
-          </p:nvPr>
-        </p:nvSpPr>
-        <p:spPr/>
-        <p:txBody>
-          <a:bodyPr/>
-          <a:lstStyle/>
-          <a:p>
-            <a:endParaRPr lang="ko-KR" altLang="en-US"/>
+          <p:cNvPicPr>
+            <a:picLocks noChangeAspect="1"/>
+          </p:cNvPicPr>
+          <p:nvPr/>
+        </p:nvPicPr>
+        <p:blipFill>
+          <a:blip r:embed="rId2"/>
+          <a:stretch>
+            <a:fillRect/>
+          </a:stretch>
+        </p:blipFill>
+        <p:spPr>
+          <a:xfrm>
+            <a:off x="6216073" y="1671061"/>
+            <a:ext cx="4332288" cy="3732211"/>
+          </a:xfrm>
+          <a:prstGeom prst="rect">
+            <a:avLst/>
+          </a:prstGeom>
+        </p:spPr>
+      </p:pic>
+      <p:sp>
+        <p:nvSpPr>
+          <p:cNvPr id="8" name="내용 개체 틀 2">
+            <a:extLst>
+              <a:ext uri="{FF2B5EF4-FFF2-40B4-BE49-F238E27FC236}">
+                <a16:creationId xmlns:a16="http://schemas.microsoft.com/office/drawing/2014/main" id="{F1BFDD2A-59F8-46A6-9A1D-C8C6733CCECA}"/>
+              </a:ext>
+            </a:extLst>
+          </p:cNvPr>
+          <p:cNvSpPr txBox="1">
+            <a:spLocks/>
+          </p:cNvSpPr>
+          <p:nvPr/>
+        </p:nvSpPr>
+        <p:spPr>
+          <a:xfrm>
+            <a:off x="672838" y="1583766"/>
+            <a:ext cx="5423162" cy="3413108"/>
+          </a:xfrm>
+          <a:prstGeom prst="rect">
+            <a:avLst/>
+          </a:prstGeom>
+        </p:spPr>
+        <p:txBody>
+          <a:bodyPr vert="horz" lIns="91440" tIns="45720" rIns="91440" bIns="45720" rtlCol="0">
+            <a:normAutofit/>
+          </a:bodyPr>
+          <a:lstStyle>
+            <a:lvl1pPr marL="342900" indent="-342900" algn="l" defTabSz="457200" rtl="0" eaLnBrk="1" latinLnBrk="1" hangingPunct="1">
+              <a:spcBef>
+                <a:spcPts val="1000"/>
+              </a:spcBef>
+              <a:spcAft>
+                <a:spcPts val="0"/>
+              </a:spcAft>
+              <a:buClr>
+                <a:schemeClr val="accent1"/>
+              </a:buClr>
+              <a:buSzPct val="80000"/>
+              <a:buFont typeface="Wingdings 3" charset="2"/>
+              <a:buChar char=""/>
+              <a:defRPr sz="1800" kern="1200">
+                <a:solidFill>
+                  <a:schemeClr val="tx1">
+                    <a:lumMod val="75000"/>
+                    <a:lumOff val="25000"/>
+                  </a:schemeClr>
+                </a:solidFill>
+                <a:latin typeface="+mn-lt"/>
+                <a:ea typeface="+mn-ea"/>
+                <a:cs typeface="+mn-cs"/>
+              </a:defRPr>
+            </a:lvl1pPr>
+            <a:lvl2pPr marL="742950" indent="-285750" algn="l" defTabSz="457200" rtl="0" eaLnBrk="1" latinLnBrk="1" hangingPunct="1">
+              <a:spcBef>
+                <a:spcPts val="1000"/>
+              </a:spcBef>
+              <a:spcAft>
+                <a:spcPts val="0"/>
+              </a:spcAft>
+              <a:buClr>
+                <a:schemeClr val="accent1"/>
+              </a:buClr>
+              <a:buSzPct val="80000"/>
+              <a:buFont typeface="Wingdings 3" charset="2"/>
+              <a:buChar char=""/>
+              <a:defRPr sz="1600" kern="1200">
+                <a:solidFill>
+                  <a:schemeClr val="tx1">
+                    <a:lumMod val="75000"/>
+                    <a:lumOff val="25000"/>
+                  </a:schemeClr>
+                </a:solidFill>
+                <a:latin typeface="+mn-lt"/>
+                <a:ea typeface="+mn-ea"/>
+                <a:cs typeface="+mn-cs"/>
+              </a:defRPr>
+            </a:lvl2pPr>
+            <a:lvl3pPr marL="1143000" indent="-228600" algn="l" defTabSz="457200" rtl="0" eaLnBrk="1" latinLnBrk="1" hangingPunct="1">
+              <a:spcBef>
+                <a:spcPts val="1000"/>
+              </a:spcBef>
+              <a:spcAft>
+                <a:spcPts val="0"/>
+              </a:spcAft>
+              <a:buClr>
+                <a:schemeClr val="accent1"/>
+              </a:buClr>
+              <a:buSzPct val="80000"/>
+              <a:buFont typeface="Wingdings 3" charset="2"/>
+              <a:buChar char=""/>
+              <a:defRPr sz="1400" kern="1200">
+                <a:solidFill>
+                  <a:schemeClr val="tx1">
+                    <a:lumMod val="75000"/>
+                    <a:lumOff val="25000"/>
+                  </a:schemeClr>
+                </a:solidFill>
+                <a:latin typeface="+mn-lt"/>
+                <a:ea typeface="+mn-ea"/>
+                <a:cs typeface="+mn-cs"/>
+              </a:defRPr>
+            </a:lvl3pPr>
+            <a:lvl4pPr marL="1600200" indent="-228600" algn="l" defTabSz="457200" rtl="0" eaLnBrk="1" latinLnBrk="1" hangingPunct="1">
+              <a:spcBef>
+                <a:spcPts val="1000"/>
+              </a:spcBef>
+              <a:spcAft>
+                <a:spcPts val="0"/>
+              </a:spcAft>
+              <a:buClr>
+                <a:schemeClr val="accent1"/>
+              </a:buClr>
+              <a:buSzPct val="80000"/>
+              <a:buFont typeface="Wingdings 3" charset="2"/>
+              <a:buChar char=""/>
+              <a:defRPr sz="1200" kern="1200">
+                <a:solidFill>
+                  <a:schemeClr val="tx1">
+                    <a:lumMod val="75000"/>
+                    <a:lumOff val="25000"/>
+                  </a:schemeClr>
+                </a:solidFill>
+                <a:latin typeface="+mn-lt"/>
+                <a:ea typeface="+mn-ea"/>
+                <a:cs typeface="+mn-cs"/>
+              </a:defRPr>
+            </a:lvl4pPr>
+            <a:lvl5pPr marL="2057400" indent="-228600" algn="l" defTabSz="457200" rtl="0" eaLnBrk="1" latinLnBrk="1" hangingPunct="1">
+              <a:spcBef>
+                <a:spcPts val="1000"/>
+              </a:spcBef>
+              <a:spcAft>
+                <a:spcPts val="0"/>
+              </a:spcAft>
+              <a:buClr>
+                <a:schemeClr val="accent1"/>
+              </a:buClr>
+              <a:buSzPct val="80000"/>
+              <a:buFont typeface="Wingdings 3" charset="2"/>
+              <a:buChar char=""/>
+              <a:defRPr sz="1200" kern="1200">
+                <a:solidFill>
+                  <a:schemeClr val="tx1">
+                    <a:lumMod val="75000"/>
+                    <a:lumOff val="25000"/>
+                  </a:schemeClr>
+                </a:solidFill>
+                <a:latin typeface="+mn-lt"/>
+                <a:ea typeface="+mn-ea"/>
+                <a:cs typeface="+mn-cs"/>
+              </a:defRPr>
+            </a:lvl5pPr>
+            <a:lvl6pPr marL="2514600" indent="-228600" algn="l" defTabSz="457200" rtl="0" eaLnBrk="1" latinLnBrk="1" hangingPunct="1">
+              <a:spcBef>
+                <a:spcPts val="1000"/>
+              </a:spcBef>
+              <a:spcAft>
+                <a:spcPts val="0"/>
+              </a:spcAft>
+              <a:buClr>
+                <a:schemeClr val="accent1"/>
+              </a:buClr>
+              <a:buSzPct val="80000"/>
+              <a:buFont typeface="Wingdings 3" charset="2"/>
+              <a:buChar char=""/>
+              <a:defRPr sz="1200" kern="1200">
+                <a:solidFill>
+                  <a:schemeClr val="tx1">
+                    <a:lumMod val="75000"/>
+                    <a:lumOff val="25000"/>
+                  </a:schemeClr>
+                </a:solidFill>
+                <a:latin typeface="+mn-lt"/>
+                <a:ea typeface="+mn-ea"/>
+                <a:cs typeface="+mn-cs"/>
+              </a:defRPr>
+            </a:lvl6pPr>
+            <a:lvl7pPr marL="2971800" indent="-228600" algn="l" defTabSz="457200" rtl="0" eaLnBrk="1" latinLnBrk="1" hangingPunct="1">
+              <a:spcBef>
+                <a:spcPts val="1000"/>
+              </a:spcBef>
+              <a:spcAft>
+                <a:spcPts val="0"/>
+              </a:spcAft>
+              <a:buClr>
+                <a:schemeClr val="accent1"/>
+              </a:buClr>
+              <a:buSzPct val="80000"/>
+              <a:buFont typeface="Wingdings 3" charset="2"/>
+              <a:buChar char=""/>
+              <a:defRPr sz="1200" kern="1200">
+                <a:solidFill>
+                  <a:schemeClr val="tx1">
+                    <a:lumMod val="75000"/>
+                    <a:lumOff val="25000"/>
+                  </a:schemeClr>
+                </a:solidFill>
+                <a:latin typeface="+mn-lt"/>
+                <a:ea typeface="+mn-ea"/>
+                <a:cs typeface="+mn-cs"/>
+              </a:defRPr>
+            </a:lvl7pPr>
+            <a:lvl8pPr marL="3429000" indent="-228600" algn="l" defTabSz="457200" rtl="0" eaLnBrk="1" latinLnBrk="1" hangingPunct="1">
+              <a:spcBef>
+                <a:spcPts val="1000"/>
+              </a:spcBef>
+              <a:spcAft>
+                <a:spcPts val="0"/>
+              </a:spcAft>
+              <a:buClr>
+                <a:schemeClr val="accent1"/>
+              </a:buClr>
+              <a:buSzPct val="80000"/>
+              <a:buFont typeface="Wingdings 3" charset="2"/>
+              <a:buChar char=""/>
+              <a:defRPr sz="1200" kern="1200">
+                <a:solidFill>
+                  <a:schemeClr val="tx1">
+                    <a:lumMod val="75000"/>
+                    <a:lumOff val="25000"/>
+                  </a:schemeClr>
+                </a:solidFill>
+                <a:latin typeface="+mn-lt"/>
+                <a:ea typeface="+mn-ea"/>
+                <a:cs typeface="+mn-cs"/>
+              </a:defRPr>
+            </a:lvl8pPr>
+            <a:lvl9pPr marL="3886200" indent="-228600" algn="l" defTabSz="457200" rtl="0" eaLnBrk="1" latinLnBrk="1" hangingPunct="1">
+              <a:spcBef>
+                <a:spcPts val="1000"/>
+              </a:spcBef>
+              <a:spcAft>
+                <a:spcPts val="0"/>
+              </a:spcAft>
+              <a:buClr>
+                <a:schemeClr val="accent1"/>
+              </a:buClr>
+              <a:buSzPct val="80000"/>
+              <a:buFont typeface="Wingdings 3" charset="2"/>
+              <a:buChar char=""/>
+              <a:defRPr sz="1200" kern="1200">
+                <a:solidFill>
+                  <a:schemeClr val="tx1">
+                    <a:lumMod val="75000"/>
+                    <a:lumOff val="25000"/>
+                  </a:schemeClr>
+                </a:solidFill>
+                <a:latin typeface="+mn-lt"/>
+                <a:ea typeface="+mn-ea"/>
+                <a:cs typeface="+mn-cs"/>
+              </a:defRPr>
+            </a:lvl9pPr>
+          </a:lstStyle>
+          <a:p>
+            <a:r>
+              <a:rPr lang="en-US" altLang="ko-KR" dirty="0" err="1">
+                <a:latin typeface="Malgun Gothic Semilight" panose="020B0503020000020004" pitchFamily="34" charset="-127"/>
+                <a:ea typeface="Malgun Gothic Semilight" panose="020B0503020000020004" pitchFamily="34" charset="-127"/>
+                <a:cs typeface="Malgun Gothic Semilight" panose="020B0503020000020004" pitchFamily="34" charset="-127"/>
+              </a:rPr>
+              <a:t>Stb_image.h</a:t>
+            </a:r>
+            <a:r>
+              <a:rPr lang="en-US" altLang="ko-KR" dirty="0">
+                <a:latin typeface="Malgun Gothic Semilight" panose="020B0503020000020004" pitchFamily="34" charset="-127"/>
+                <a:ea typeface="Malgun Gothic Semilight" panose="020B0503020000020004" pitchFamily="34" charset="-127"/>
+                <a:cs typeface="Malgun Gothic Semilight" panose="020B0503020000020004" pitchFamily="34" charset="-127"/>
+              </a:rPr>
+              <a:t> </a:t>
+            </a:r>
+            <a:r>
+              <a:rPr lang="ko-KR" altLang="en-US" dirty="0">
+                <a:latin typeface="Malgun Gothic Semilight" panose="020B0503020000020004" pitchFamily="34" charset="-127"/>
+                <a:ea typeface="Malgun Gothic Semilight" panose="020B0503020000020004" pitchFamily="34" charset="-127"/>
+                <a:cs typeface="Malgun Gothic Semilight" panose="020B0503020000020004" pitchFamily="34" charset="-127"/>
+              </a:rPr>
+              <a:t>를 이용하여 숫자 </a:t>
+            </a:r>
+            <a:r>
+              <a:rPr lang="en-US" altLang="ko-KR" dirty="0" err="1">
+                <a:latin typeface="Malgun Gothic Semilight" panose="020B0503020000020004" pitchFamily="34" charset="-127"/>
+                <a:ea typeface="Malgun Gothic Semilight" panose="020B0503020000020004" pitchFamily="34" charset="-127"/>
+                <a:cs typeface="Malgun Gothic Semilight" panose="020B0503020000020004" pitchFamily="34" charset="-127"/>
+              </a:rPr>
+              <a:t>png</a:t>
+            </a:r>
+            <a:r>
+              <a:rPr lang="ko-KR" altLang="en-US" dirty="0">
+                <a:latin typeface="Malgun Gothic Semilight" panose="020B0503020000020004" pitchFamily="34" charset="-127"/>
+                <a:ea typeface="Malgun Gothic Semilight" panose="020B0503020000020004" pitchFamily="34" charset="-127"/>
+                <a:cs typeface="Malgun Gothic Semilight" panose="020B0503020000020004" pitchFamily="34" charset="-127"/>
+              </a:rPr>
+              <a:t>를 사용</a:t>
+            </a:r>
+            <a:endParaRPr lang="en-US" altLang="ko-KR" dirty="0">
+              <a:latin typeface="Malgun Gothic Semilight" panose="020B0503020000020004" pitchFamily="34" charset="-127"/>
+              <a:ea typeface="Malgun Gothic Semilight" panose="020B0503020000020004" pitchFamily="34" charset="-127"/>
+              <a:cs typeface="Malgun Gothic Semilight" panose="020B0503020000020004" pitchFamily="34" charset="-127"/>
+            </a:endParaRPr>
+          </a:p>
+          <a:p>
+            <a:endParaRPr lang="en-US" altLang="ko-KR" dirty="0">
+              <a:latin typeface="Malgun Gothic Semilight" panose="020B0503020000020004" pitchFamily="34" charset="-127"/>
+              <a:ea typeface="Malgun Gothic Semilight" panose="020B0503020000020004" pitchFamily="34" charset="-127"/>
+              <a:cs typeface="Malgun Gothic Semilight" panose="020B0503020000020004" pitchFamily="34" charset="-127"/>
+            </a:endParaRPr>
+          </a:p>
+          <a:p>
+            <a:endParaRPr lang="en-US" altLang="ko-KR" dirty="0">
+              <a:latin typeface="Malgun Gothic Semilight" panose="020B0503020000020004" pitchFamily="34" charset="-127"/>
+              <a:ea typeface="Malgun Gothic Semilight" panose="020B0503020000020004" pitchFamily="34" charset="-127"/>
+              <a:cs typeface="Malgun Gothic Semilight" panose="020B0503020000020004" pitchFamily="34" charset="-127"/>
+            </a:endParaRPr>
+          </a:p>
+          <a:p>
+            <a:r>
+              <a:rPr lang="ko-KR" altLang="en-US" dirty="0">
+                <a:latin typeface="Malgun Gothic Semilight" panose="020B0503020000020004" pitchFamily="34" charset="-127"/>
+                <a:ea typeface="Malgun Gothic Semilight" panose="020B0503020000020004" pitchFamily="34" charset="-127"/>
+                <a:cs typeface="Malgun Gothic Semilight" panose="020B0503020000020004" pitchFamily="34" charset="-127"/>
+              </a:rPr>
+              <a:t>현재 </a:t>
+            </a:r>
+            <a:r>
+              <a:rPr lang="en-US" altLang="ko-KR" dirty="0">
+                <a:latin typeface="Malgun Gothic Semilight" panose="020B0503020000020004" pitchFamily="34" charset="-127"/>
+                <a:ea typeface="Malgun Gothic Semilight" panose="020B0503020000020004" pitchFamily="34" charset="-127"/>
+                <a:cs typeface="Malgun Gothic Semilight" panose="020B0503020000020004" pitchFamily="34" charset="-127"/>
+              </a:rPr>
+              <a:t>score </a:t>
+            </a:r>
+            <a:r>
+              <a:rPr lang="ko-KR" altLang="en-US" dirty="0">
+                <a:latin typeface="Malgun Gothic Semilight" panose="020B0503020000020004" pitchFamily="34" charset="-127"/>
+                <a:ea typeface="Malgun Gothic Semilight" panose="020B0503020000020004" pitchFamily="34" charset="-127"/>
+                <a:cs typeface="Malgun Gothic Semilight" panose="020B0503020000020004" pitchFamily="34" charset="-127"/>
+              </a:rPr>
+              <a:t>와 </a:t>
+            </a:r>
+            <a:r>
+              <a:rPr lang="en-US" altLang="ko-KR" dirty="0" err="1">
+                <a:latin typeface="Malgun Gothic Semilight" panose="020B0503020000020004" pitchFamily="34" charset="-127"/>
+                <a:ea typeface="Malgun Gothic Semilight" panose="020B0503020000020004" pitchFamily="34" charset="-127"/>
+                <a:cs typeface="Malgun Gothic Semilight" panose="020B0503020000020004" pitchFamily="34" charset="-127"/>
+              </a:rPr>
+              <a:t>highscore</a:t>
+            </a:r>
+            <a:r>
+              <a:rPr lang="ko-KR" altLang="en-US" dirty="0">
+                <a:latin typeface="Malgun Gothic Semilight" panose="020B0503020000020004" pitchFamily="34" charset="-127"/>
+                <a:ea typeface="Malgun Gothic Semilight" panose="020B0503020000020004" pitchFamily="34" charset="-127"/>
+                <a:cs typeface="Malgun Gothic Semilight" panose="020B0503020000020004" pitchFamily="34" charset="-127"/>
+              </a:rPr>
+              <a:t>을 저장하여 게임 </a:t>
+            </a:r>
+            <a:r>
+              <a:rPr lang="ko-KR" altLang="en-US" dirty="0" err="1">
+                <a:latin typeface="Malgun Gothic Semilight" panose="020B0503020000020004" pitchFamily="34" charset="-127"/>
+                <a:ea typeface="Malgun Gothic Semilight" panose="020B0503020000020004" pitchFamily="34" charset="-127"/>
+                <a:cs typeface="Malgun Gothic Semilight" panose="020B0503020000020004" pitchFamily="34" charset="-127"/>
+              </a:rPr>
+              <a:t>종료시</a:t>
+            </a:r>
+            <a:r>
+              <a:rPr lang="ko-KR" altLang="en-US" dirty="0">
+                <a:latin typeface="Malgun Gothic Semilight" panose="020B0503020000020004" pitchFamily="34" charset="-127"/>
+                <a:ea typeface="Malgun Gothic Semilight" panose="020B0503020000020004" pitchFamily="34" charset="-127"/>
+                <a:cs typeface="Malgun Gothic Semilight" panose="020B0503020000020004" pitchFamily="34" charset="-127"/>
+              </a:rPr>
+              <a:t> 표시해줌</a:t>
+            </a:r>
+            <a:endParaRPr lang="en-US" altLang="ko-KR" dirty="0">
+              <a:latin typeface="Malgun Gothic Semilight" panose="020B0503020000020004" pitchFamily="34" charset="-127"/>
+              <a:ea typeface="Malgun Gothic Semilight" panose="020B0503020000020004" pitchFamily="34" charset="-127"/>
+              <a:cs typeface="Malgun Gothic Semilight" panose="020B0503020000020004" pitchFamily="34" charset="-127"/>
+            </a:endParaRPr>
           </a:p>
         </p:txBody>
       </p:sp>
